--- a/slides/SAV-lecture.pptx
+++ b/slides/SAV-lecture.pptx
@@ -272,7 +272,7 @@
           <a:p>
             <a:fld id="{972E38CC-1F07-4CDE-AA30-74BD02025D97}" type="datetimeFigureOut">
               <a:rPr lang="en-US" smtClean="0"/>
-              <a:t>3/24/2015</a:t>
+              <a:t>3/25/2015</a:t>
             </a:fld>
             <a:endParaRPr lang="en-US" dirty="0"/>
           </a:p>
@@ -3686,7 +3686,7 @@
           <a:p>
             <a:fld id="{A9904832-4545-4321-9A4A-B584794A9783}" type="datetime1">
               <a:rPr lang="en-US" smtClean="0"/>
-              <a:t>3/24/2015</a:t>
+              <a:t>3/25/2015</a:t>
             </a:fld>
             <a:endParaRPr lang="en-US" dirty="0"/>
           </a:p>
@@ -3866,7 +3866,7 @@
           <a:p>
             <a:fld id="{4A4DDD7B-FA38-4D20-B510-50441C09B28E}" type="datetime1">
               <a:rPr lang="en-US" smtClean="0"/>
-              <a:t>3/24/2015</a:t>
+              <a:t>3/25/2015</a:t>
             </a:fld>
             <a:endParaRPr lang="en-US" dirty="0"/>
           </a:p>
@@ -4290,7 +4290,7 @@
           <a:p>
             <a:fld id="{8ABB8045-9302-4615-9698-3CE575688165}" type="datetime1">
               <a:rPr lang="en-US" smtClean="0"/>
-              <a:t>3/24/2015</a:t>
+              <a:t>3/25/2015</a:t>
             </a:fld>
             <a:endParaRPr lang="en-US" dirty="0"/>
           </a:p>
@@ -4578,7 +4578,7 @@
           <a:p>
             <a:fld id="{24D3C4B9-32F2-47A4-8283-7FEBDB4A6DD8}" type="datetime1">
               <a:rPr lang="en-US" smtClean="0"/>
-              <a:t>3/24/2015</a:t>
+              <a:t>3/25/2015</a:t>
             </a:fld>
             <a:endParaRPr lang="en-US" dirty="0"/>
           </a:p>
@@ -5012,7 +5012,7 @@
           <a:p>
             <a:fld id="{DEF7E62D-AA34-4868-B42F-B4E6EF22C248}" type="datetime1">
               <a:rPr lang="en-US" smtClean="0"/>
-              <a:t>3/24/2015</a:t>
+              <a:t>3/25/2015</a:t>
             </a:fld>
             <a:endParaRPr lang="en-US" dirty="0"/>
           </a:p>
@@ -5130,7 +5130,7 @@
           <a:p>
             <a:fld id="{C2D7E420-1ED3-415C-9EAE-17EA7C0D6D7E}" type="datetime1">
               <a:rPr lang="en-US" smtClean="0"/>
-              <a:t>3/24/2015</a:t>
+              <a:t>3/25/2015</a:t>
             </a:fld>
             <a:endParaRPr lang="en-US" dirty="0"/>
           </a:p>
@@ -5225,7 +5225,7 @@
           <a:p>
             <a:fld id="{2BF595DC-0E53-436C-9313-3DB7712EAD50}" type="datetime1">
               <a:rPr lang="en-US" smtClean="0"/>
-              <a:t>3/24/2015</a:t>
+              <a:t>3/25/2015</a:t>
             </a:fld>
             <a:endParaRPr lang="en-US" dirty="0"/>
           </a:p>
@@ -5419,7 +5419,7 @@
           <a:p>
             <a:fld id="{9B289CAF-FFA2-4309-9FDA-1240DB9DC1F1}" type="datetime1">
               <a:rPr lang="en-US" smtClean="0"/>
-              <a:t>3/24/2015</a:t>
+              <a:t>3/25/2015</a:t>
             </a:fld>
             <a:endParaRPr lang="en-US" dirty="0"/>
           </a:p>
@@ -5742,7 +5742,7 @@
           <a:p>
             <a:fld id="{56CE9B42-71F2-42AC-8E81-ADD0CF89F8AF}" type="datetime1">
               <a:rPr lang="en-US" smtClean="0"/>
-              <a:t>3/24/2015</a:t>
+              <a:t>3/25/2015</a:t>
             </a:fld>
             <a:endParaRPr lang="en-US" dirty="0"/>
           </a:p>
@@ -6131,7 +6131,7 @@
           <a:p>
             <a:fld id="{1B135BD2-23B7-419E-9106-5F9D209E56CE}" type="datetime1">
               <a:rPr lang="en-US" smtClean="0"/>
-              <a:t>3/24/2015</a:t>
+              <a:t>3/25/2015</a:t>
             </a:fld>
             <a:endParaRPr lang="en-US" dirty="0"/>
           </a:p>
@@ -6508,13 +6508,21 @@
             </a:br>
             <a:r>
               <a:rPr lang="en-US" dirty="0" smtClean="0"/>
-              <a:t>Constraint-based Invariant </a:t>
+              <a:t>Constraint-based </a:t>
+            </a:r>
+            <a:r>
+              <a:rPr lang="en-US" smtClean="0"/>
+              <a:t>Invariant </a:t>
+            </a:r>
+            <a:r>
+              <a:rPr lang="en-US" smtClean="0"/>
+              <a:t/>
             </a:r>
             <a:br>
-              <a:rPr lang="en-US" dirty="0" smtClean="0"/>
+              <a:rPr lang="en-US" smtClean="0"/>
             </a:br>
             <a:r>
-              <a:rPr lang="en-US" dirty="0" smtClean="0"/>
+              <a:rPr lang="en-US" smtClean="0"/>
               <a:t>Inference</a:t>
             </a:r>
             <a:endParaRPr lang="en-US" dirty="0"/>
@@ -7006,8 +7014,8 @@
           </a:p>
         </p:txBody>
       </p:sp>
-      <mc:AlternateContent xmlns:mc="http://schemas.openxmlformats.org/markup-compatibility/2006">
-        <mc:Choice xmlns:a14="http://schemas.microsoft.com/office/drawing/2010/main" Requires="a14">
+      <mc:AlternateContent xmlns:mc="http://schemas.openxmlformats.org/markup-compatibility/2006" xmlns:a14="http://schemas.microsoft.com/office/drawing/2010/main">
+        <mc:Choice Requires="a14">
           <p:sp>
             <p:nvSpPr>
               <p:cNvPr id="17" name="TextBox 16"/>
@@ -7148,7 +7156,7 @@
             </p:txBody>
           </p:sp>
         </mc:Choice>
-        <mc:Fallback>
+        <mc:Fallback xmlns="">
           <p:sp>
             <p:nvSpPr>
               <p:cNvPr id="17" name="TextBox 16"/>
@@ -17675,15 +17683,7 @@
             </a:pPr>
             <a:r>
               <a:rPr lang="en-US" sz="2400" dirty="0" smtClean="0"/>
-              <a:t>The Farkas</a:t>
-            </a:r>
-            <a:r>
-              <a:rPr lang="en-US" sz="2400" dirty="0" smtClean="0"/>
-              <a:t>’ Lemma </a:t>
-            </a:r>
-            <a:r>
-              <a:rPr lang="en-US" sz="2400" dirty="0" smtClean="0"/>
-              <a:t>approach provides a way to find linear invariants for programs that</a:t>
+              <a:t>The Farkas’ Lemma approach provides a way to find linear invariants for programs that</a:t>
             </a:r>
           </a:p>
           <a:p>
@@ -17796,8 +17796,8 @@
           </a:p>
         </p:txBody>
       </p:sp>
-      <mc:AlternateContent xmlns:mc="http://schemas.openxmlformats.org/markup-compatibility/2006">
-        <mc:Choice xmlns:a14="http://schemas.microsoft.com/office/drawing/2010/main" Requires="a14">
+      <mc:AlternateContent xmlns:mc="http://schemas.openxmlformats.org/markup-compatibility/2006" xmlns:a14="http://schemas.microsoft.com/office/drawing/2010/main">
+        <mc:Choice Requires="a14">
           <p:sp>
             <p:nvSpPr>
               <p:cNvPr id="3" name="Content Placeholder 2"/>
@@ -17993,7 +17993,7 @@
             </p:txBody>
           </p:sp>
         </mc:Choice>
-        <mc:Fallback>
+        <mc:Fallback xmlns="">
           <p:sp>
             <p:nvSpPr>
               <p:cNvPr id="3" name="Content Placeholder 2"/>
@@ -18358,8 +18358,8 @@
           </a:p>
         </p:txBody>
       </p:sp>
-      <mc:AlternateContent xmlns:mc="http://schemas.openxmlformats.org/markup-compatibility/2006">
-        <mc:Choice xmlns:a14="http://schemas.microsoft.com/office/drawing/2010/main" Requires="a14">
+      <mc:AlternateContent xmlns:mc="http://schemas.openxmlformats.org/markup-compatibility/2006" xmlns:a14="http://schemas.microsoft.com/office/drawing/2010/main">
+        <mc:Choice Requires="a14">
           <p:sp>
             <p:nvSpPr>
               <p:cNvPr id="6" name="TextBox 5"/>
@@ -18462,15 +18462,7 @@
                       <a:schemeClr val="tx2"/>
                     </a:solidFill>
                   </a:rPr>
-                  <a:t> </a:t>
-                </a:r>
-                <a:r>
-                  <a:rPr lang="en-US" sz="2400" dirty="0" smtClean="0">
-                    <a:solidFill>
-                      <a:schemeClr val="tx2"/>
-                    </a:solidFill>
-                  </a:rPr>
-                  <a:t>and </a:t>
+                  <a:t> and </a:t>
                 </a:r>
                 <a14:m>
                   <m:oMath xmlns:m="http://schemas.openxmlformats.org/officeDocument/2006/math">
@@ -18517,7 +18509,7 @@
             </p:txBody>
           </p:sp>
         </mc:Choice>
-        <mc:Fallback>
+        <mc:Fallback xmlns="">
           <p:sp>
             <p:nvSpPr>
               <p:cNvPr id="6" name="TextBox 5"/>
@@ -21356,63 +21348,87 @@
             </a:r>
           </a:p>
           <a:p>
+            <a:r>
+              <a:rPr lang="en-US" dirty="0" smtClean="0"/>
+              <a:t>Property (in our context): a predicate that holds for some, all, or no states</a:t>
+            </a:r>
+          </a:p>
+          <a:p>
             <a:endParaRPr lang="en-US" dirty="0" smtClean="0"/>
           </a:p>
           <a:p>
             <a:r>
-              <a:rPr lang="en-US" dirty="0"/>
-              <a:t>P</a:t>
-            </a:r>
-            <a:r>
               <a:rPr lang="en-US" dirty="0" smtClean="0"/>
-              <a:t>roperty (in our context): A predicate that holds for some, all, or </a:t>
-            </a:r>
-            <a:r>
-              <a:rPr lang="en-US" smtClean="0"/>
-              <a:t>no states</a:t>
-            </a:r>
+              <a:t>Invariant </a:t>
+            </a:r>
+            <a:r>
+              <a:rPr lang="en-US" dirty="0" smtClean="0"/>
+              <a:t>is </a:t>
+            </a:r>
+            <a:r>
+              <a:rPr lang="en-US" dirty="0" smtClean="0"/>
+              <a:t>a property of a program</a:t>
+            </a:r>
+          </a:p>
+          <a:p>
+            <a:pPr lvl="1"/>
+            <a:r>
+              <a:rPr lang="en-US" dirty="0" smtClean="0"/>
+              <a:t>at a specific program location</a:t>
+            </a:r>
+          </a:p>
+          <a:p>
+            <a:pPr lvl="1"/>
+            <a:r>
+              <a:rPr lang="en-US" dirty="0" smtClean="0"/>
+              <a:t>that  </a:t>
+            </a:r>
+            <a:r>
+              <a:rPr lang="en-US" dirty="0" smtClean="0"/>
+              <a:t>holds for </a:t>
+            </a:r>
+            <a:r>
+              <a:rPr lang="en-US" b="1" dirty="0" smtClean="0"/>
+              <a:t>every </a:t>
+            </a:r>
+            <a:r>
+              <a:rPr lang="en-US" dirty="0" smtClean="0"/>
+              <a:t>program state that </a:t>
+            </a:r>
+            <a:r>
+              <a:rPr lang="en-US" b="1" dirty="0" smtClean="0"/>
+              <a:t>reaches</a:t>
+            </a:r>
+            <a:r>
+              <a:rPr lang="en-US" dirty="0" smtClean="0"/>
+              <a:t> the program point</a:t>
+            </a:r>
+            <a:endParaRPr lang="en-US" b="1" dirty="0" smtClean="0"/>
+          </a:p>
+          <a:p>
+            <a:pPr marL="114300" indent="0">
+              <a:buNone/>
+            </a:pPr>
             <a:endParaRPr lang="en-US" dirty="0" smtClean="0"/>
           </a:p>
           <a:p>
             <a:r>
               <a:rPr lang="en-US" dirty="0" smtClean="0"/>
-              <a:t>Invariant is a property that remains unchanged</a:t>
-            </a:r>
-          </a:p>
-          <a:p>
+              <a:t>Specifications </a:t>
+            </a:r>
             <a:r>
               <a:rPr lang="en-US" dirty="0" smtClean="0"/>
-              <a:t>Unchanged with respect to what ?</a:t>
-            </a:r>
-          </a:p>
-          <a:p>
-            <a:pPr lvl="1"/>
+              <a:t>are </a:t>
+            </a:r>
             <a:r>
               <a:rPr lang="en-US" dirty="0" smtClean="0"/>
-              <a:t>Programs ?</a:t>
-            </a:r>
-          </a:p>
-          <a:p>
-            <a:pPr lvl="1"/>
+              <a:t>invariants at exit points of programs or procedures</a:t>
+            </a:r>
+          </a:p>
+          <a:p>
             <a:r>
               <a:rPr lang="en-US" dirty="0" smtClean="0"/>
-              <a:t>Program locations ?</a:t>
-            </a:r>
-          </a:p>
-          <a:p>
-            <a:pPr lvl="1"/>
-            <a:r>
-              <a:rPr lang="en-US" dirty="0" smtClean="0"/>
-              <a:t>Answer: Inputs of the program</a:t>
-            </a:r>
-          </a:p>
-          <a:p>
-            <a:endParaRPr lang="en-US" dirty="0"/>
-          </a:p>
-          <a:p>
-            <a:r>
-              <a:rPr lang="en-US" dirty="0" smtClean="0"/>
-              <a:t>Specifications are invariants</a:t>
+              <a:t>Also called reachability properties.</a:t>
             </a:r>
             <a:endParaRPr lang="en-US" dirty="0"/>
           </a:p>
@@ -21464,7 +21480,7 @@
                                         <p:tgtEl>
                                           <p:spTgt spid="3">
                                             <p:txEl>
-                                              <p:pRg st="5" end="5"/>
+                                              <p:pRg st="7" end="7"/>
                                             </p:txEl>
                                           </p:spTgt>
                                         </p:tgtEl>
@@ -21513,105 +21529,7 @@
                                         <p:tgtEl>
                                           <p:spTgt spid="3">
                                             <p:txEl>
-                                              <p:pRg st="6" end="6"/>
-                                            </p:txEl>
-                                          </p:spTgt>
-                                        </p:tgtEl>
-                                        <p:attrNameLst>
-                                          <p:attrName>style.visibility</p:attrName>
-                                        </p:attrNameLst>
-                                      </p:cBhvr>
-                                      <p:to>
-                                        <p:strVal val="visible"/>
-                                      </p:to>
-                                    </p:set>
-                                  </p:childTnLst>
-                                </p:cTn>
-                              </p:par>
-                            </p:childTnLst>
-                          </p:cTn>
-                        </p:par>
-                      </p:childTnLst>
-                    </p:cTn>
-                  </p:par>
-                  <p:par>
-                    <p:cTn id="11" fill="hold">
-                      <p:stCondLst>
-                        <p:cond delay="indefinite"/>
-                      </p:stCondLst>
-                      <p:childTnLst>
-                        <p:par>
-                          <p:cTn id="12" fill="hold">
-                            <p:stCondLst>
-                              <p:cond delay="0"/>
-                            </p:stCondLst>
-                            <p:childTnLst>
-                              <p:par>
-                                <p:cTn id="13" presetID="1" presetClass="entr" presetSubtype="0" fill="hold" nodeType="clickEffect">
-                                  <p:stCondLst>
-                                    <p:cond delay="0"/>
-                                  </p:stCondLst>
-                                  <p:childTnLst>
-                                    <p:set>
-                                      <p:cBhvr>
-                                        <p:cTn id="14" dur="1" fill="hold">
-                                          <p:stCondLst>
-                                            <p:cond delay="0"/>
-                                          </p:stCondLst>
-                                        </p:cTn>
-                                        <p:tgtEl>
-                                          <p:spTgt spid="3">
-                                            <p:txEl>
-                                              <p:pRg st="7" end="7"/>
-                                            </p:txEl>
-                                          </p:spTgt>
-                                        </p:tgtEl>
-                                        <p:attrNameLst>
-                                          <p:attrName>style.visibility</p:attrName>
-                                        </p:attrNameLst>
-                                      </p:cBhvr>
-                                      <p:to>
-                                        <p:strVal val="visible"/>
-                                      </p:to>
-                                    </p:set>
-                                  </p:childTnLst>
-                                </p:cTn>
-                              </p:par>
-                            </p:childTnLst>
-                          </p:cTn>
-                        </p:par>
-                      </p:childTnLst>
-                    </p:cTn>
-                  </p:par>
-                  <p:par>
-                    <p:cTn id="15" fill="hold">
-                      <p:stCondLst>
-                        <p:cond delay="indefinite"/>
-                      </p:stCondLst>
-                      <p:childTnLst>
-                        <p:par>
-                          <p:cTn id="16" fill="hold">
-                            <p:stCondLst>
-                              <p:cond delay="0"/>
-                            </p:stCondLst>
-                            <p:childTnLst>
-                              <p:par>
-                                <p:cTn id="17" presetID="1" presetClass="entr" presetSubtype="0" fill="hold" nodeType="clickEffect">
-                                  <p:stCondLst>
-                                    <p:cond delay="0"/>
-                                  </p:stCondLst>
-                                  <p:childTnLst>
-                                    <p:set>
-                                      <p:cBhvr>
-                                        <p:cTn id="18" dur="1" fill="hold">
-                                          <p:stCondLst>
-                                            <p:cond delay="0"/>
-                                          </p:stCondLst>
-                                        </p:cTn>
-                                        <p:tgtEl>
-                                          <p:spTgt spid="3">
-                                            <p:txEl>
-                                              <p:pRg st="9" end="9"/>
+                                              <p:pRg st="8" end="8"/>
                                             </p:txEl>
                                           </p:spTgt>
                                         </p:tgtEl>
@@ -32735,11 +32653,11 @@
   <p:clrMapOvr>
     <a:masterClrMapping/>
   </p:clrMapOvr>
-  <mc:AlternateContent xmlns:mc="http://schemas.openxmlformats.org/markup-compatibility/2006">
-    <mc:Choice xmlns:p14="http://schemas.microsoft.com/office/powerpoint/2010/main" Requires="p14">
+  <mc:AlternateContent xmlns:mc="http://schemas.openxmlformats.org/markup-compatibility/2006" xmlns:p14="http://schemas.microsoft.com/office/powerpoint/2010/main">
+    <mc:Choice Requires="p14">
       <p:transition p14:dur="0"/>
     </mc:Choice>
-    <mc:Fallback>
+    <mc:Fallback xmlns="">
       <p:transition/>
     </mc:Fallback>
   </mc:AlternateContent>
@@ -34437,8 +34355,8 @@
           </a:p>
         </p:txBody>
       </p:sp>
-      <mc:AlternateContent xmlns:mc="http://schemas.openxmlformats.org/markup-compatibility/2006">
-        <mc:Choice xmlns:a14="http://schemas.microsoft.com/office/drawing/2010/main" Requires="a14">
+      <mc:AlternateContent xmlns:mc="http://schemas.openxmlformats.org/markup-compatibility/2006" xmlns:a14="http://schemas.microsoft.com/office/drawing/2010/main">
+        <mc:Choice Requires="a14">
           <p:sp>
             <p:nvSpPr>
               <p:cNvPr id="3" name="Content Placeholder 2"/>
@@ -34604,17 +34522,7 @@
                     <a:latin typeface="Courier New" panose="02070309020205020404" pitchFamily="49" charset="0"/>
                     <a:cs typeface="Courier New" panose="02070309020205020404" pitchFamily="49" charset="0"/>
                   </a:rPr>
-                  <a:t> </a:t>
-                </a:r>
-                <a:r>
-                  <a:rPr lang="en-US" sz="2800" dirty="0" smtClean="0">
-                    <a:solidFill>
-                      <a:srgbClr val="000000"/>
-                    </a:solidFill>
-                    <a:latin typeface="Courier New" panose="02070309020205020404" pitchFamily="49" charset="0"/>
-                    <a:cs typeface="Courier New" panose="02070309020205020404" pitchFamily="49" charset="0"/>
-                  </a:rPr>
-                  <a:t> </a:t>
+                  <a:t>  </a:t>
                 </a:r>
                 <a:r>
                   <a:rPr lang="en-US" sz="2800" b="1" dirty="0" smtClean="0">
@@ -34964,7 +34872,7 @@
             </p:txBody>
           </p:sp>
         </mc:Choice>
-        <mc:Fallback>
+        <mc:Fallback xmlns="">
           <p:sp>
             <p:nvSpPr>
               <p:cNvPr id="3" name="Content Placeholder 2"/>
@@ -35206,8 +35114,8 @@
           </a:p>
         </p:txBody>
       </p:sp>
-      <mc:AlternateContent xmlns:mc="http://schemas.openxmlformats.org/markup-compatibility/2006">
-        <mc:Choice xmlns:a14="http://schemas.microsoft.com/office/drawing/2010/main" Requires="a14">
+      <mc:AlternateContent xmlns:mc="http://schemas.openxmlformats.org/markup-compatibility/2006" xmlns:a14="http://schemas.microsoft.com/office/drawing/2010/main">
+        <mc:Choice Requires="a14">
           <p:sp>
             <p:nvSpPr>
               <p:cNvPr id="3" name="Content Placeholder 2"/>
@@ -35622,7 +35530,7 @@
             </p:txBody>
           </p:sp>
         </mc:Choice>
-        <mc:Fallback>
+        <mc:Fallback xmlns="">
           <p:sp>
             <p:nvSpPr>
               <p:cNvPr id="3" name="Content Placeholder 2"/>
@@ -36428,8 +36336,8 @@
           </a:p>
         </p:txBody>
       </p:sp>
-      <mc:AlternateContent xmlns:mc="http://schemas.openxmlformats.org/markup-compatibility/2006">
-        <mc:Choice xmlns:a14="http://schemas.microsoft.com/office/drawing/2010/main" Requires="a14">
+      <mc:AlternateContent xmlns:mc="http://schemas.openxmlformats.org/markup-compatibility/2006" xmlns:a14="http://schemas.microsoft.com/office/drawing/2010/main">
+        <mc:Choice Requires="a14">
           <p:sp>
             <p:nvSpPr>
               <p:cNvPr id="3" name="Content Placeholder 2"/>
@@ -37116,7 +37024,7 @@
             </p:txBody>
           </p:sp>
         </mc:Choice>
-        <mc:Fallback>
+        <mc:Fallback xmlns="">
           <p:sp>
             <p:nvSpPr>
               <p:cNvPr id="3" name="Content Placeholder 2"/>
